--- a/presentations/DESY - Code Handover.pptx
+++ b/presentations/DESY - Code Handover.pptx
@@ -269,7 +269,7 @@
           <a:p>
             <a:fld id="{FC19D655-BC36-4532-8E9C-4663B89DA152}" type="datetimeFigureOut">
               <a:rPr lang="en-GB" smtClean="0"/>
-              <a:t>21/08/2023</a:t>
+              <a:t>25/08/2023</a:t>
             </a:fld>
             <a:endParaRPr lang="en-GB"/>
           </a:p>
@@ -469,7 +469,7 @@
           <a:p>
             <a:fld id="{FC19D655-BC36-4532-8E9C-4663B89DA152}" type="datetimeFigureOut">
               <a:rPr lang="en-GB" smtClean="0"/>
-              <a:t>21/08/2023</a:t>
+              <a:t>25/08/2023</a:t>
             </a:fld>
             <a:endParaRPr lang="en-GB"/>
           </a:p>
@@ -679,7 +679,7 @@
           <a:p>
             <a:fld id="{FC19D655-BC36-4532-8E9C-4663B89DA152}" type="datetimeFigureOut">
               <a:rPr lang="en-GB" smtClean="0"/>
-              <a:t>21/08/2023</a:t>
+              <a:t>25/08/2023</a:t>
             </a:fld>
             <a:endParaRPr lang="en-GB"/>
           </a:p>
@@ -879,7 +879,7 @@
           <a:p>
             <a:fld id="{FC19D655-BC36-4532-8E9C-4663B89DA152}" type="datetimeFigureOut">
               <a:rPr lang="en-GB" smtClean="0"/>
-              <a:t>21/08/2023</a:t>
+              <a:t>25/08/2023</a:t>
             </a:fld>
             <a:endParaRPr lang="en-GB"/>
           </a:p>
@@ -1155,7 +1155,7 @@
           <a:p>
             <a:fld id="{FC19D655-BC36-4532-8E9C-4663B89DA152}" type="datetimeFigureOut">
               <a:rPr lang="en-GB" smtClean="0"/>
-              <a:t>21/08/2023</a:t>
+              <a:t>25/08/2023</a:t>
             </a:fld>
             <a:endParaRPr lang="en-GB"/>
           </a:p>
@@ -1423,7 +1423,7 @@
           <a:p>
             <a:fld id="{FC19D655-BC36-4532-8E9C-4663B89DA152}" type="datetimeFigureOut">
               <a:rPr lang="en-GB" smtClean="0"/>
-              <a:t>21/08/2023</a:t>
+              <a:t>25/08/2023</a:t>
             </a:fld>
             <a:endParaRPr lang="en-GB"/>
           </a:p>
@@ -1838,7 +1838,7 @@
           <a:p>
             <a:fld id="{FC19D655-BC36-4532-8E9C-4663B89DA152}" type="datetimeFigureOut">
               <a:rPr lang="en-GB" smtClean="0"/>
-              <a:t>21/08/2023</a:t>
+              <a:t>25/08/2023</a:t>
             </a:fld>
             <a:endParaRPr lang="en-GB"/>
           </a:p>
@@ -1980,7 +1980,7 @@
           <a:p>
             <a:fld id="{FC19D655-BC36-4532-8E9C-4663B89DA152}" type="datetimeFigureOut">
               <a:rPr lang="en-GB" smtClean="0"/>
-              <a:t>21/08/2023</a:t>
+              <a:t>25/08/2023</a:t>
             </a:fld>
             <a:endParaRPr lang="en-GB"/>
           </a:p>
@@ -2093,7 +2093,7 @@
           <a:p>
             <a:fld id="{FC19D655-BC36-4532-8E9C-4663B89DA152}" type="datetimeFigureOut">
               <a:rPr lang="en-GB" smtClean="0"/>
-              <a:t>21/08/2023</a:t>
+              <a:t>25/08/2023</a:t>
             </a:fld>
             <a:endParaRPr lang="en-GB"/>
           </a:p>
@@ -2406,7 +2406,7 @@
           <a:p>
             <a:fld id="{FC19D655-BC36-4532-8E9C-4663B89DA152}" type="datetimeFigureOut">
               <a:rPr lang="en-GB" smtClean="0"/>
-              <a:t>21/08/2023</a:t>
+              <a:t>25/08/2023</a:t>
             </a:fld>
             <a:endParaRPr lang="en-GB"/>
           </a:p>
@@ -2695,7 +2695,7 @@
           <a:p>
             <a:fld id="{FC19D655-BC36-4532-8E9C-4663B89DA152}" type="datetimeFigureOut">
               <a:rPr lang="en-GB" smtClean="0"/>
-              <a:t>21/08/2023</a:t>
+              <a:t>25/08/2023</a:t>
             </a:fld>
             <a:endParaRPr lang="en-GB"/>
           </a:p>
@@ -2938,7 +2938,7 @@
           <a:p>
             <a:fld id="{FC19D655-BC36-4532-8E9C-4663B89DA152}" type="datetimeFigureOut">
               <a:rPr lang="en-GB" smtClean="0"/>
-              <a:t>21/08/2023</a:t>
+              <a:t>25/08/2023</a:t>
             </a:fld>
             <a:endParaRPr lang="en-GB"/>
           </a:p>
@@ -4394,6 +4394,108 @@
           </a:p>
         </p:txBody>
       </p:sp>
+      <p:sp>
+        <p:nvSpPr>
+          <p:cNvPr id="21" name="Rectangle 20">
+            <a:extLst>
+              <a:ext uri="{FF2B5EF4-FFF2-40B4-BE49-F238E27FC236}">
+                <a16:creationId xmlns:a16="http://schemas.microsoft.com/office/drawing/2014/main" id="{85DD2032-FD90-7762-73FD-A5CCF6C505B5}"/>
+              </a:ext>
+            </a:extLst>
+          </p:cNvPr>
+          <p:cNvSpPr/>
+          <p:nvPr/>
+        </p:nvSpPr>
+        <p:spPr>
+          <a:xfrm>
+            <a:off x="391227" y="5656923"/>
+            <a:ext cx="1981743" cy="774048"/>
+          </a:xfrm>
+          <a:prstGeom prst="rect">
+            <a:avLst/>
+          </a:prstGeom>
+          <a:solidFill>
+            <a:srgbClr val="7030A0"/>
+          </a:solidFill>
+        </p:spPr>
+        <p:style>
+          <a:lnRef idx="2">
+            <a:schemeClr val="accent1">
+              <a:shade val="15000"/>
+            </a:schemeClr>
+          </a:lnRef>
+          <a:fillRef idx="1">
+            <a:schemeClr val="accent1"/>
+          </a:fillRef>
+          <a:effectRef idx="0">
+            <a:schemeClr val="accent1"/>
+          </a:effectRef>
+          <a:fontRef idx="minor">
+            <a:schemeClr val="lt1"/>
+          </a:fontRef>
+        </p:style>
+        <p:txBody>
+          <a:bodyPr rtlCol="0" anchor="ctr"/>
+          <a:lstStyle/>
+          <a:p>
+            <a:pPr algn="ctr"/>
+            <a:r>
+              <a:rPr lang="en-GB" dirty="0"/>
+              <a:t>various other files</a:t>
+            </a:r>
+          </a:p>
+        </p:txBody>
+      </p:sp>
+      <p:sp>
+        <p:nvSpPr>
+          <p:cNvPr id="24" name="Rectangle 23">
+            <a:extLst>
+              <a:ext uri="{FF2B5EF4-FFF2-40B4-BE49-F238E27FC236}">
+                <a16:creationId xmlns:a16="http://schemas.microsoft.com/office/drawing/2014/main" id="{DC3EB9FF-16C3-250F-E594-BC934E4C03BF}"/>
+              </a:ext>
+            </a:extLst>
+          </p:cNvPr>
+          <p:cNvSpPr/>
+          <p:nvPr/>
+        </p:nvSpPr>
+        <p:spPr>
+          <a:xfrm>
+            <a:off x="205273" y="5472434"/>
+            <a:ext cx="2416629" cy="1086986"/>
+          </a:xfrm>
+          <a:prstGeom prst="rect">
+            <a:avLst/>
+          </a:prstGeom>
+          <a:noFill/>
+          <a:ln>
+            <a:prstDash val="lgDash"/>
+          </a:ln>
+        </p:spPr>
+        <p:style>
+          <a:lnRef idx="2">
+            <a:schemeClr val="accent1">
+              <a:shade val="15000"/>
+            </a:schemeClr>
+          </a:lnRef>
+          <a:fillRef idx="1">
+            <a:schemeClr val="accent1"/>
+          </a:fillRef>
+          <a:effectRef idx="0">
+            <a:schemeClr val="accent1"/>
+          </a:effectRef>
+          <a:fontRef idx="minor">
+            <a:schemeClr val="lt1"/>
+          </a:fontRef>
+        </p:style>
+        <p:txBody>
+          <a:bodyPr rtlCol="0" anchor="ctr"/>
+          <a:lstStyle/>
+          <a:p>
+            <a:pPr algn="ctr"/>
+            <a:endParaRPr lang="en-GB"/>
+          </a:p>
+        </p:txBody>
+      </p:sp>
     </p:spTree>
     <p:extLst>
       <p:ext uri="{BB962C8B-B14F-4D97-AF65-F5344CB8AC3E}">
@@ -4502,19 +4604,19 @@
           <a:p>
             <a:r>
               <a:rPr lang="en-GB" dirty="0"/>
-              <a:t>All code files are extensively commented </a:t>
-            </a:r>
-          </a:p>
-          <a:p>
-            <a:r>
-              <a:rPr lang="en-GB" dirty="0"/>
-              <a:t>All relevant settings and parameters can be set at the top of each file</a:t>
-            </a:r>
-          </a:p>
-          <a:p>
-            <a:r>
-              <a:rPr lang="en-GB" dirty="0"/>
-              <a:t>All files will run directly upon execution, without having to add function calls or command-line arguments</a:t>
+              <a:t>All code files are commented </a:t>
+            </a:r>
+          </a:p>
+          <a:p>
+            <a:r>
+              <a:rPr lang="en-GB" dirty="0"/>
+              <a:t>Generally, relevant settings and parameters can be set at the top of each file</a:t>
+            </a:r>
+          </a:p>
+          <a:p>
+            <a:r>
+              <a:rPr lang="en-GB" dirty="0"/>
+              <a:t>Files will run directly upon execution, without having to add function calls or command-line arguments</a:t>
             </a:r>
           </a:p>
           <a:p>
@@ -4614,7 +4716,7 @@
         <p:spPr/>
         <p:txBody>
           <a:bodyPr>
-            <a:normAutofit fontScale="85000" lnSpcReduction="20000"/>
+            <a:normAutofit fontScale="70000" lnSpcReduction="20000"/>
           </a:bodyPr>
           <a:lstStyle/>
           <a:p>
@@ -4684,6 +4786,20 @@
               <a:buChar char="Ø"/>
             </a:pPr>
             <a:r>
+              <a:rPr lang="en-GB" dirty="0">
+                <a:solidFill>
+                  <a:srgbClr val="002060"/>
+                </a:solidFill>
+              </a:rPr>
+              <a:t> manuscript_spectra.py</a:t>
+            </a:r>
+          </a:p>
+          <a:p>
+            <a:pPr lvl="1">
+              <a:buFont typeface="Wingdings" panose="05000000000000000000" pitchFamily="2" charset="2"/>
+              <a:buChar char="Ø"/>
+            </a:pPr>
+            <a:r>
               <a:rPr lang="en-GB" i="1" dirty="0"/>
               <a:t> input </a:t>
             </a:r>
@@ -4835,12 +4951,33 @@
               <a:rPr lang="en-GB" i="1" dirty="0" err="1"/>
               <a:t>scan_analysis</a:t>
             </a:r>
-            <a:endParaRPr lang="en-GB" i="1" dirty="0"/>
-          </a:p>
-          <a:p>
-            <a:r>
-              <a:rPr lang="en-GB" dirty="0"/>
-              <a:t>It can be convenient to add additional directories to store output (especially for parameter scans) in order to declutter the </a:t>
+            <a:r>
+              <a:rPr lang="en-GB" i="1" dirty="0"/>
+              <a:t> </a:t>
+            </a:r>
+          </a:p>
+          <a:p>
+            <a:pPr lvl="1">
+              <a:buFont typeface="Wingdings" panose="05000000000000000000" pitchFamily="2" charset="2"/>
+              <a:buChar char="Ø"/>
+            </a:pPr>
+            <a:r>
+              <a:rPr lang="en-GB" dirty="0">
+                <a:solidFill>
+                  <a:srgbClr val="002060"/>
+                </a:solidFill>
+              </a:rPr>
+              <a:t> manuscript_spectra.png </a:t>
+            </a:r>
+            <a:r>
+              <a:rPr lang="en-GB" dirty="0"/>
+              <a:t>was used to produce specific spectral plots for the manuscript </a:t>
+            </a:r>
+          </a:p>
+          <a:p>
+            <a:r>
+              <a:rPr lang="en-GB" dirty="0"/>
+              <a:t>It can be convenient to add additional directories to store output (especially for pressure scans) in order to declutter the </a:t>
             </a:r>
             <a:r>
               <a:rPr lang="en-GB" i="1" dirty="0"/>
@@ -5137,7 +5274,7 @@
                   <a:srgbClr val="002060"/>
                 </a:solidFill>
               </a:rPr>
-              <a:t>”</a:t>
+              <a:t>” (1/3)</a:t>
             </a:r>
           </a:p>
         </p:txBody>
@@ -5161,7 +5298,7 @@
         <p:spPr/>
         <p:txBody>
           <a:bodyPr>
-            <a:normAutofit lnSpcReduction="10000"/>
+            <a:normAutofit fontScale="85000" lnSpcReduction="10000"/>
           </a:bodyPr>
           <a:lstStyle/>
           <a:p>
@@ -5231,6 +5368,43 @@
               <a:rPr lang="en-GB" dirty="0"/>
               <a:t>The following two slides explain the basic usage of the file but do not cover much of the logic behind the code</a:t>
             </a:r>
+          </a:p>
+          <a:p>
+            <a:r>
+              <a:rPr lang="en-GB" dirty="0"/>
+              <a:t>To run the code and generate simulations, simply enter </a:t>
+            </a:r>
+            <a:r>
+              <a:rPr lang="en-GB" dirty="0" err="1">
+                <a:solidFill>
+                  <a:srgbClr val="7030A0"/>
+                </a:solidFill>
+              </a:rPr>
+              <a:t>julia</a:t>
+            </a:r>
+            <a:r>
+              <a:rPr lang="en-GB" dirty="0">
+                <a:solidFill>
+                  <a:srgbClr val="7030A0"/>
+                </a:solidFill>
+              </a:rPr>
+              <a:t> </a:t>
+            </a:r>
+            <a:r>
+              <a:rPr lang="en-GB" dirty="0" err="1">
+                <a:solidFill>
+                  <a:srgbClr val="7030A0"/>
+                </a:solidFill>
+              </a:rPr>
+              <a:t>THG_sim_main.jl</a:t>
+            </a:r>
+            <a:r>
+              <a:rPr lang="en-GB" dirty="0"/>
+              <a:t> into the terminal and execute after specifying appropriate settings in the file </a:t>
+            </a:r>
+          </a:p>
+          <a:p>
+            <a:endParaRPr lang="en-GB" dirty="0"/>
           </a:p>
         </p:txBody>
       </p:sp>
@@ -5307,7 +5481,7 @@
                   <a:srgbClr val="002060"/>
                 </a:solidFill>
               </a:rPr>
-              <a:t>”</a:t>
+              <a:t>” (2/3)</a:t>
             </a:r>
             <a:endParaRPr lang="en-GB" dirty="0"/>
           </a:p>
@@ -5362,7 +5536,7 @@
             </a:pPr>
             <a:r>
               <a:rPr lang="en-GB" dirty="0"/>
-              <a:t> the output of a single run is stored in a new directory in the output directory </a:t>
+              <a:t> the output in either case is stored in a new subdirectory in the output directory </a:t>
             </a:r>
           </a:p>
           <a:p>
@@ -5372,17 +5546,7 @@
             </a:pPr>
             <a:r>
               <a:rPr lang="en-GB" dirty="0"/>
-              <a:t> for a pressure scan, a separate directory in the output directory is created for each run in the scan </a:t>
-            </a:r>
-          </a:p>
-          <a:p>
-            <a:pPr lvl="1">
-              <a:buFont typeface="Wingdings" panose="05000000000000000000" pitchFamily="2" charset="2"/>
-              <a:buChar char="Ø"/>
-            </a:pPr>
-            <a:r>
-              <a:rPr lang="en-GB" dirty="0"/>
-              <a:t> pressure scans are implemented as looped single runs with some additional constraints </a:t>
+              <a:t>pressure scans are implemented as looped single runs with some additional constraints </a:t>
             </a:r>
           </a:p>
           <a:p>
@@ -5412,7 +5576,7 @@
             </a:r>
             <a:r>
               <a:rPr lang="en-GB" dirty="0"/>
-              <a:t>is used to toggle between these two modes</a:t>
+              <a:t>is used to toggle between these two operation modes</a:t>
             </a:r>
           </a:p>
           <a:p>
@@ -5740,7 +5904,7 @@
                   <a:srgbClr val="002060"/>
                 </a:solidFill>
               </a:rPr>
-              <a:t>”</a:t>
+              <a:t>” (3/3)</a:t>
             </a:r>
             <a:endParaRPr lang="en-GB" dirty="0"/>
           </a:p>
@@ -5850,7 +6014,7 @@
           <a:p>
             <a:r>
               <a:rPr lang="en-GB" dirty="0"/>
-              <a:t>Note: the file names for the input files are set in the section “file handling” underneath “set physical parameters”</a:t>
+              <a:t>Note: the file names for the input files are set in the section “file handling” underneath “plot settings”</a:t>
             </a:r>
           </a:p>
           <a:p>
@@ -5957,13 +6121,35 @@
         </p:nvSpPr>
         <p:spPr/>
         <p:txBody>
-          <a:bodyPr/>
-          <a:lstStyle/>
-          <a:p>
-            <a:r>
-              <a:rPr lang="en-GB" dirty="0"/>
-              <a:t>As described earlier, the output of a pressure scan consists entirely of raw, un-analysed data </a:t>
-            </a:r>
+          <a:bodyPr>
+            <a:normAutofit lnSpcReduction="10000"/>
+          </a:bodyPr>
+          <a:lstStyle/>
+          <a:p>
+            <a:r>
+              <a:rPr lang="en-GB" dirty="0"/>
+              <a:t>As described earlier, the output of a pressure scan consists entirely of raw, un-analysed data (see slide 2 on the main file)</a:t>
+            </a:r>
+          </a:p>
+          <a:p>
+            <a:r>
+              <a:rPr lang="en-GB" dirty="0"/>
+              <a:t>The processing of this data happens in </a:t>
+            </a:r>
+            <a:r>
+              <a:rPr lang="en-GB" dirty="0">
+                <a:solidFill>
+                  <a:srgbClr val="002060"/>
+                </a:solidFill>
+              </a:rPr>
+              <a:t>scan_eval.py </a:t>
+            </a:r>
+          </a:p>
+          <a:p>
+            <a:endParaRPr lang="en-GB" dirty="0"/>
+          </a:p>
+          <a:p>
+            <a:endParaRPr lang="en-GB" dirty="0"/>
           </a:p>
           <a:p>
             <a:endParaRPr lang="en-GB" dirty="0"/>

--- a/presentations/DESY - Code Handover.pptx
+++ b/presentations/DESY - Code Handover.pptx
@@ -14,6 +14,8 @@
     <p:sldId id="262" r:id="rId8"/>
     <p:sldId id="263" r:id="rId9"/>
     <p:sldId id="264" r:id="rId10"/>
+    <p:sldId id="267" r:id="rId11"/>
+    <p:sldId id="268" r:id="rId12"/>
   </p:sldIdLst>
   <p:sldSz cx="12192000" cy="6858000"/>
   <p:notesSz cx="6858000" cy="9144000"/>
@@ -269,7 +271,7 @@
           <a:p>
             <a:fld id="{FC19D655-BC36-4532-8E9C-4663B89DA152}" type="datetimeFigureOut">
               <a:rPr lang="en-GB" smtClean="0"/>
-              <a:t>25/08/2023</a:t>
+              <a:t>28/08/2023</a:t>
             </a:fld>
             <a:endParaRPr lang="en-GB"/>
           </a:p>
@@ -469,7 +471,7 @@
           <a:p>
             <a:fld id="{FC19D655-BC36-4532-8E9C-4663B89DA152}" type="datetimeFigureOut">
               <a:rPr lang="en-GB" smtClean="0"/>
-              <a:t>25/08/2023</a:t>
+              <a:t>28/08/2023</a:t>
             </a:fld>
             <a:endParaRPr lang="en-GB"/>
           </a:p>
@@ -679,7 +681,7 @@
           <a:p>
             <a:fld id="{FC19D655-BC36-4532-8E9C-4663B89DA152}" type="datetimeFigureOut">
               <a:rPr lang="en-GB" smtClean="0"/>
-              <a:t>25/08/2023</a:t>
+              <a:t>28/08/2023</a:t>
             </a:fld>
             <a:endParaRPr lang="en-GB"/>
           </a:p>
@@ -879,7 +881,7 @@
           <a:p>
             <a:fld id="{FC19D655-BC36-4532-8E9C-4663B89DA152}" type="datetimeFigureOut">
               <a:rPr lang="en-GB" smtClean="0"/>
-              <a:t>25/08/2023</a:t>
+              <a:t>28/08/2023</a:t>
             </a:fld>
             <a:endParaRPr lang="en-GB"/>
           </a:p>
@@ -1155,7 +1157,7 @@
           <a:p>
             <a:fld id="{FC19D655-BC36-4532-8E9C-4663B89DA152}" type="datetimeFigureOut">
               <a:rPr lang="en-GB" smtClean="0"/>
-              <a:t>25/08/2023</a:t>
+              <a:t>28/08/2023</a:t>
             </a:fld>
             <a:endParaRPr lang="en-GB"/>
           </a:p>
@@ -1423,7 +1425,7 @@
           <a:p>
             <a:fld id="{FC19D655-BC36-4532-8E9C-4663B89DA152}" type="datetimeFigureOut">
               <a:rPr lang="en-GB" smtClean="0"/>
-              <a:t>25/08/2023</a:t>
+              <a:t>28/08/2023</a:t>
             </a:fld>
             <a:endParaRPr lang="en-GB"/>
           </a:p>
@@ -1838,7 +1840,7 @@
           <a:p>
             <a:fld id="{FC19D655-BC36-4532-8E9C-4663B89DA152}" type="datetimeFigureOut">
               <a:rPr lang="en-GB" smtClean="0"/>
-              <a:t>25/08/2023</a:t>
+              <a:t>28/08/2023</a:t>
             </a:fld>
             <a:endParaRPr lang="en-GB"/>
           </a:p>
@@ -1980,7 +1982,7 @@
           <a:p>
             <a:fld id="{FC19D655-BC36-4532-8E9C-4663B89DA152}" type="datetimeFigureOut">
               <a:rPr lang="en-GB" smtClean="0"/>
-              <a:t>25/08/2023</a:t>
+              <a:t>28/08/2023</a:t>
             </a:fld>
             <a:endParaRPr lang="en-GB"/>
           </a:p>
@@ -2093,7 +2095,7 @@
           <a:p>
             <a:fld id="{FC19D655-BC36-4532-8E9C-4663B89DA152}" type="datetimeFigureOut">
               <a:rPr lang="en-GB" smtClean="0"/>
-              <a:t>25/08/2023</a:t>
+              <a:t>28/08/2023</a:t>
             </a:fld>
             <a:endParaRPr lang="en-GB"/>
           </a:p>
@@ -2406,7 +2408,7 @@
           <a:p>
             <a:fld id="{FC19D655-BC36-4532-8E9C-4663B89DA152}" type="datetimeFigureOut">
               <a:rPr lang="en-GB" smtClean="0"/>
-              <a:t>25/08/2023</a:t>
+              <a:t>28/08/2023</a:t>
             </a:fld>
             <a:endParaRPr lang="en-GB"/>
           </a:p>
@@ -2695,7 +2697,7 @@
           <a:p>
             <a:fld id="{FC19D655-BC36-4532-8E9C-4663B89DA152}" type="datetimeFigureOut">
               <a:rPr lang="en-GB" smtClean="0"/>
-              <a:t>25/08/2023</a:t>
+              <a:t>28/08/2023</a:t>
             </a:fld>
             <a:endParaRPr lang="en-GB"/>
           </a:p>
@@ -2938,7 +2940,7 @@
           <a:p>
             <a:fld id="{FC19D655-BC36-4532-8E9C-4663B89DA152}" type="datetimeFigureOut">
               <a:rPr lang="en-GB" smtClean="0"/>
-              <a:t>25/08/2023</a:t>
+              <a:t>28/08/2023</a:t>
             </a:fld>
             <a:endParaRPr lang="en-GB"/>
           </a:p>
@@ -3448,6 +3450,496 @@
     <p:extLst>
       <p:ext uri="{BB962C8B-B14F-4D97-AF65-F5344CB8AC3E}">
         <p14:creationId xmlns:p14="http://schemas.microsoft.com/office/powerpoint/2010/main" val="379001136"/>
+      </p:ext>
+    </p:extLst>
+  </p:cSld>
+  <p:clrMapOvr>
+    <a:masterClrMapping/>
+  </p:clrMapOvr>
+</p:sld>
+</file>
+
+<file path=ppt/slides/slide10.xml><?xml version="1.0" encoding="utf-8"?>
+<p:sld xmlns:a="http://schemas.openxmlformats.org/drawingml/2006/main" xmlns:r="http://schemas.openxmlformats.org/officeDocument/2006/relationships" xmlns:p="http://schemas.openxmlformats.org/presentationml/2006/main">
+  <p:cSld>
+    <p:spTree>
+      <p:nvGrpSpPr>
+        <p:cNvPr id="1" name=""/>
+        <p:cNvGrpSpPr/>
+        <p:nvPr/>
+      </p:nvGrpSpPr>
+      <p:grpSpPr>
+        <a:xfrm>
+          <a:off x="0" y="0"/>
+          <a:ext cx="0" cy="0"/>
+          <a:chOff x="0" y="0"/>
+          <a:chExt cx="0" cy="0"/>
+        </a:xfrm>
+      </p:grpSpPr>
+      <p:sp>
+        <p:nvSpPr>
+          <p:cNvPr id="2" name="Title 1">
+            <a:extLst>
+              <a:ext uri="{FF2B5EF4-FFF2-40B4-BE49-F238E27FC236}">
+                <a16:creationId xmlns:a16="http://schemas.microsoft.com/office/drawing/2014/main" id="{86F1CB2F-BFD5-D005-4DAB-C06959FF82F0}"/>
+              </a:ext>
+            </a:extLst>
+          </p:cNvPr>
+          <p:cNvSpPr>
+            <a:spLocks noGrp="1"/>
+          </p:cNvSpPr>
+          <p:nvPr>
+            <p:ph type="title"/>
+          </p:nvPr>
+        </p:nvSpPr>
+        <p:spPr/>
+        <p:txBody>
+          <a:bodyPr/>
+          <a:lstStyle/>
+          <a:p>
+            <a:r>
+              <a:rPr lang="en-GB" b="1" dirty="0">
+                <a:solidFill>
+                  <a:srgbClr val="002060"/>
+                </a:solidFill>
+              </a:rPr>
+              <a:t>Analysing scan data: “scan_eval.py” (2/2)</a:t>
+            </a:r>
+          </a:p>
+        </p:txBody>
+      </p:sp>
+      <p:sp>
+        <p:nvSpPr>
+          <p:cNvPr id="3" name="Content Placeholder 2">
+            <a:extLst>
+              <a:ext uri="{FF2B5EF4-FFF2-40B4-BE49-F238E27FC236}">
+                <a16:creationId xmlns:a16="http://schemas.microsoft.com/office/drawing/2014/main" id="{35D1FCFE-0B1E-D6CC-0E8E-D77993E555C1}"/>
+              </a:ext>
+            </a:extLst>
+          </p:cNvPr>
+          <p:cNvSpPr>
+            <a:spLocks noGrp="1"/>
+          </p:cNvSpPr>
+          <p:nvPr>
+            <p:ph idx="1"/>
+          </p:nvPr>
+        </p:nvSpPr>
+        <p:spPr>
+          <a:xfrm>
+            <a:off x="838200" y="1690688"/>
+            <a:ext cx="10515600" cy="5237648"/>
+          </a:xfrm>
+        </p:spPr>
+        <p:txBody>
+          <a:bodyPr>
+            <a:normAutofit fontScale="70000" lnSpcReduction="20000"/>
+          </a:bodyPr>
+          <a:lstStyle/>
+          <a:p>
+            <a:pPr marL="0" indent="0">
+              <a:buNone/>
+            </a:pPr>
+            <a:r>
+              <a:rPr lang="en-GB" sz="3400" b="1" u="sng" dirty="0"/>
+              <a:t>Additional features</a:t>
+            </a:r>
+          </a:p>
+          <a:p>
+            <a:r>
+              <a:rPr lang="en-GB" sz="3400" dirty="0"/>
+              <a:t>The additional features in </a:t>
+            </a:r>
+            <a:r>
+              <a:rPr lang="en-GB" sz="3400" dirty="0">
+                <a:solidFill>
+                  <a:srgbClr val="002060"/>
+                </a:solidFill>
+              </a:rPr>
+              <a:t>scan_eval.py </a:t>
+            </a:r>
+            <a:r>
+              <a:rPr lang="en-GB" sz="3400" dirty="0"/>
+              <a:t>are based on comparing the output of different pressure scans simultaneously </a:t>
+            </a:r>
+          </a:p>
+          <a:p>
+            <a:pPr lvl="1">
+              <a:buFont typeface="Wingdings" panose="05000000000000000000" pitchFamily="2" charset="2"/>
+              <a:buChar char="Ø"/>
+            </a:pPr>
+            <a:r>
+              <a:rPr lang="en-GB" sz="2600" dirty="0"/>
+              <a:t> the resulting output is stored in a directory </a:t>
+            </a:r>
+            <a:r>
+              <a:rPr lang="en-GB" sz="2600" i="1" dirty="0" err="1"/>
+              <a:t>out_dir</a:t>
+            </a:r>
+            <a:r>
+              <a:rPr lang="en-GB" sz="2600" i="1" dirty="0"/>
+              <a:t> </a:t>
+            </a:r>
+            <a:r>
+              <a:rPr lang="en-GB" sz="2600" dirty="0"/>
+              <a:t>while the input files are stored in </a:t>
+            </a:r>
+            <a:r>
+              <a:rPr lang="en-GB" sz="2600" i="1" dirty="0" err="1"/>
+              <a:t>sup_dir</a:t>
+            </a:r>
+            <a:r>
+              <a:rPr lang="en-GB" sz="2600" dirty="0"/>
+              <a:t>; both directories can be set in the section “input/output handling”</a:t>
+            </a:r>
+          </a:p>
+          <a:p>
+            <a:pPr lvl="1">
+              <a:buFont typeface="Wingdings" panose="05000000000000000000" pitchFamily="2" charset="2"/>
+              <a:buChar char="Ø"/>
+            </a:pPr>
+            <a:r>
+              <a:rPr lang="en-GB" sz="2600" dirty="0"/>
+              <a:t> generally, a valid comparison requires all pressure scans involved to differ only in a few, pre-defined parameters while all other simulation parameters are equal </a:t>
+            </a:r>
+          </a:p>
+          <a:p>
+            <a:pPr lvl="1">
+              <a:buFont typeface="Wingdings" panose="05000000000000000000" pitchFamily="2" charset="2"/>
+              <a:buChar char="Ø"/>
+            </a:pPr>
+            <a:r>
+              <a:rPr lang="en-GB" sz="2600" dirty="0"/>
+              <a:t> an easy way to achieve this is to only place pressure scan directories into </a:t>
+            </a:r>
+            <a:r>
+              <a:rPr lang="en-GB" sz="2600" i="1" dirty="0" err="1"/>
+              <a:t>sup_dir</a:t>
+            </a:r>
+            <a:r>
+              <a:rPr lang="en-GB" sz="2600" i="1" dirty="0"/>
+              <a:t> </a:t>
+            </a:r>
+            <a:r>
+              <a:rPr lang="en-GB" sz="2600" dirty="0"/>
+              <a:t>for which these conditions are met (i.e. to manually select for files before placing them into </a:t>
+            </a:r>
+            <a:r>
+              <a:rPr lang="en-GB" sz="2600" i="1" dirty="0" err="1"/>
+              <a:t>sup_dir</a:t>
+            </a:r>
+            <a:r>
+              <a:rPr lang="en-GB" sz="2600" dirty="0"/>
+              <a:t>)</a:t>
+            </a:r>
+          </a:p>
+          <a:p>
+            <a:pPr lvl="1">
+              <a:buFont typeface="Wingdings" panose="05000000000000000000" pitchFamily="2" charset="2"/>
+              <a:buChar char="Ø"/>
+            </a:pPr>
+            <a:r>
+              <a:rPr lang="en-GB" sz="2600" dirty="0"/>
+              <a:t>alternatively, the </a:t>
+            </a:r>
+            <a:r>
+              <a:rPr lang="en-GB" sz="2600" dirty="0" err="1"/>
+              <a:t>dict</a:t>
+            </a:r>
+            <a:r>
+              <a:rPr lang="en-GB" sz="2600" dirty="0"/>
+              <a:t> </a:t>
+            </a:r>
+            <a:r>
+              <a:rPr lang="en-GB" sz="2600" dirty="0" err="1">
+                <a:solidFill>
+                  <a:srgbClr val="FF0000"/>
+                </a:solidFill>
+              </a:rPr>
+              <a:t>kwargs</a:t>
+            </a:r>
+            <a:r>
+              <a:rPr lang="en-GB" sz="2600" dirty="0"/>
+              <a:t> can be used to filter for relevant files (see comments in the “set </a:t>
+            </a:r>
+            <a:r>
+              <a:rPr lang="en-GB" sz="2600" dirty="0" err="1"/>
+              <a:t>kwargs</a:t>
+            </a:r>
+            <a:r>
+              <a:rPr lang="en-GB" sz="2600" dirty="0"/>
+              <a:t>” section)</a:t>
+            </a:r>
+          </a:p>
+          <a:p>
+            <a:r>
+              <a:rPr lang="en-GB" sz="3400" dirty="0"/>
+              <a:t>There are four different ways to compare the output of different pressure scans simultaneously:</a:t>
+            </a:r>
+          </a:p>
+          <a:p>
+            <a:pPr lvl="1">
+              <a:buFont typeface="Wingdings" panose="05000000000000000000" pitchFamily="2" charset="2"/>
+              <a:buChar char="Ø"/>
+            </a:pPr>
+            <a:r>
+              <a:rPr lang="en-GB" sz="2600" dirty="0"/>
+              <a:t> when setting </a:t>
+            </a:r>
+            <a:r>
+              <a:rPr lang="en-GB" sz="2600" dirty="0">
+                <a:solidFill>
+                  <a:srgbClr val="002060"/>
+                </a:solidFill>
+              </a:rPr>
+              <a:t>double==True</a:t>
+            </a:r>
+            <a:r>
+              <a:rPr lang="en-GB" sz="2600" dirty="0"/>
+              <a:t>, two pressure scans are compared, differing in one parameter which is set in </a:t>
+            </a:r>
+            <a:r>
+              <a:rPr lang="en-GB" sz="2600" dirty="0" err="1">
+                <a:solidFill>
+                  <a:srgbClr val="C00000"/>
+                </a:solidFill>
+              </a:rPr>
+              <a:t>second_var</a:t>
+            </a:r>
+            <a:r>
+              <a:rPr lang="en-GB" sz="2600" dirty="0">
+                <a:solidFill>
+                  <a:srgbClr val="C00000"/>
+                </a:solidFill>
+              </a:rPr>
+              <a:t> </a:t>
+            </a:r>
+            <a:r>
+              <a:rPr lang="en-GB" sz="2600" dirty="0"/>
+              <a:t>(see comments in code for more details)</a:t>
+            </a:r>
+          </a:p>
+          <a:p>
+            <a:pPr lvl="1">
+              <a:buFont typeface="Wingdings" panose="05000000000000000000" pitchFamily="2" charset="2"/>
+              <a:buChar char="Ø"/>
+            </a:pPr>
+            <a:r>
+              <a:rPr lang="en-GB" sz="2600" dirty="0"/>
+              <a:t> when setting </a:t>
+            </a:r>
+            <a:r>
+              <a:rPr lang="en-GB" sz="2600" dirty="0" err="1">
+                <a:solidFill>
+                  <a:srgbClr val="FF0000"/>
+                </a:solidFill>
+              </a:rPr>
+              <a:t>multi_power</a:t>
+            </a:r>
+            <a:r>
+              <a:rPr lang="en-GB" sz="2600" dirty="0">
+                <a:solidFill>
+                  <a:srgbClr val="FF0000"/>
+                </a:solidFill>
+              </a:rPr>
+              <a:t>==True </a:t>
+            </a:r>
+            <a:r>
+              <a:rPr lang="en-GB" sz="2600" dirty="0"/>
+              <a:t>(and </a:t>
+            </a:r>
+            <a:r>
+              <a:rPr lang="en-GB" sz="2600" dirty="0" err="1">
+                <a:solidFill>
+                  <a:srgbClr val="FF0000"/>
+                </a:solidFill>
+              </a:rPr>
+              <a:t>multi_gas</a:t>
+            </a:r>
+            <a:r>
+              <a:rPr lang="en-GB" sz="2600" dirty="0">
+                <a:solidFill>
+                  <a:srgbClr val="FF0000"/>
+                </a:solidFill>
+              </a:rPr>
+              <a:t>==False</a:t>
+            </a:r>
+            <a:r>
+              <a:rPr lang="en-GB" sz="2600" dirty="0"/>
+              <a:t>) pressure scans at different beam powers are compared (can be used in conjunction with </a:t>
+            </a:r>
+            <a:r>
+              <a:rPr lang="en-GB" sz="2600" dirty="0" err="1">
+                <a:solidFill>
+                  <a:srgbClr val="FF0000"/>
+                </a:solidFill>
+              </a:rPr>
+              <a:t>second_var</a:t>
+            </a:r>
+            <a:r>
+              <a:rPr lang="en-GB" sz="2600" dirty="0"/>
+              <a:t>; see comments in code for more details)</a:t>
+            </a:r>
+          </a:p>
+          <a:p>
+            <a:pPr lvl="1">
+              <a:buFont typeface="Wingdings" panose="05000000000000000000" pitchFamily="2" charset="2"/>
+              <a:buChar char="Ø"/>
+            </a:pPr>
+            <a:r>
+              <a:rPr lang="en-GB" sz="2600" dirty="0"/>
+              <a:t> when setting </a:t>
+            </a:r>
+            <a:r>
+              <a:rPr lang="en-GB" sz="2600" dirty="0" err="1">
+                <a:solidFill>
+                  <a:srgbClr val="FF0000"/>
+                </a:solidFill>
+              </a:rPr>
+              <a:t>multi_gas</a:t>
+            </a:r>
+            <a:r>
+              <a:rPr lang="en-GB" sz="2600" dirty="0">
+                <a:solidFill>
+                  <a:srgbClr val="FF0000"/>
+                </a:solidFill>
+              </a:rPr>
+              <a:t>==True </a:t>
+            </a:r>
+            <a:r>
+              <a:rPr lang="en-GB" sz="2600" dirty="0"/>
+              <a:t>(and </a:t>
+            </a:r>
+            <a:r>
+              <a:rPr lang="en-GB" sz="2600" dirty="0" err="1"/>
+              <a:t>multi_power</a:t>
+            </a:r>
+            <a:r>
+              <a:rPr lang="en-GB" sz="2600" dirty="0"/>
+              <a:t>==False) pressure scans from different gases (with all other parameter equal) are compared</a:t>
+            </a:r>
+          </a:p>
+          <a:p>
+            <a:pPr lvl="1">
+              <a:buFont typeface="Wingdings" panose="05000000000000000000" pitchFamily="2" charset="2"/>
+              <a:buChar char="Ø"/>
+            </a:pPr>
+            <a:r>
+              <a:rPr lang="en-GB" sz="2600" dirty="0"/>
+              <a:t>When setting </a:t>
+            </a:r>
+            <a:r>
+              <a:rPr lang="en-GB" sz="2600" dirty="0" err="1"/>
+              <a:t>multi_gas</a:t>
+            </a:r>
+            <a:r>
+              <a:rPr lang="en-GB" sz="2600" dirty="0"/>
+              <a:t>==True and </a:t>
+            </a:r>
+            <a:r>
+              <a:rPr lang="en-GB" sz="2600" dirty="0" err="1"/>
+              <a:t>multi_power</a:t>
+            </a:r>
+            <a:r>
+              <a:rPr lang="en-GB" sz="2600" dirty="0"/>
+              <a:t>==True pressure scans from different gases at different powers are compared </a:t>
+            </a:r>
+          </a:p>
+          <a:p>
+            <a:endParaRPr lang="en-GB" dirty="0"/>
+          </a:p>
+        </p:txBody>
+      </p:sp>
+    </p:spTree>
+    <p:extLst>
+      <p:ext uri="{BB962C8B-B14F-4D97-AF65-F5344CB8AC3E}">
+        <p14:creationId xmlns:p14="http://schemas.microsoft.com/office/powerpoint/2010/main" val="2038381314"/>
+      </p:ext>
+    </p:extLst>
+  </p:cSld>
+  <p:clrMapOvr>
+    <a:masterClrMapping/>
+  </p:clrMapOvr>
+</p:sld>
+</file>
+
+<file path=ppt/slides/slide11.xml><?xml version="1.0" encoding="utf-8"?>
+<p:sld xmlns:a="http://schemas.openxmlformats.org/drawingml/2006/main" xmlns:r="http://schemas.openxmlformats.org/officeDocument/2006/relationships" xmlns:p="http://schemas.openxmlformats.org/presentationml/2006/main">
+  <p:cSld>
+    <p:spTree>
+      <p:nvGrpSpPr>
+        <p:cNvPr id="1" name=""/>
+        <p:cNvGrpSpPr/>
+        <p:nvPr/>
+      </p:nvGrpSpPr>
+      <p:grpSpPr>
+        <a:xfrm>
+          <a:off x="0" y="0"/>
+          <a:ext cx="0" cy="0"/>
+          <a:chOff x="0" y="0"/>
+          <a:chExt cx="0" cy="0"/>
+        </a:xfrm>
+      </p:grpSpPr>
+      <p:sp>
+        <p:nvSpPr>
+          <p:cNvPr id="2" name="Title 1">
+            <a:extLst>
+              <a:ext uri="{FF2B5EF4-FFF2-40B4-BE49-F238E27FC236}">
+                <a16:creationId xmlns:a16="http://schemas.microsoft.com/office/drawing/2014/main" id="{72EACD62-CF47-5268-0B25-A1749BEFB1DC}"/>
+              </a:ext>
+            </a:extLst>
+          </p:cNvPr>
+          <p:cNvSpPr>
+            <a:spLocks noGrp="1"/>
+          </p:cNvSpPr>
+          <p:nvPr>
+            <p:ph type="title"/>
+          </p:nvPr>
+        </p:nvSpPr>
+        <p:spPr/>
+        <p:txBody>
+          <a:bodyPr/>
+          <a:lstStyle/>
+          <a:p>
+            <a:r>
+              <a:rPr lang="en-GB" b="1" dirty="0">
+                <a:solidFill>
+                  <a:srgbClr val="002060"/>
+                </a:solidFill>
+              </a:rPr>
+              <a:t>Additional plots: “manuscript_spectra.py”</a:t>
+            </a:r>
+          </a:p>
+        </p:txBody>
+      </p:sp>
+      <p:sp>
+        <p:nvSpPr>
+          <p:cNvPr id="3" name="Content Placeholder 2">
+            <a:extLst>
+              <a:ext uri="{FF2B5EF4-FFF2-40B4-BE49-F238E27FC236}">
+                <a16:creationId xmlns:a16="http://schemas.microsoft.com/office/drawing/2014/main" id="{A823A9B6-A577-9B39-6564-1BD6FACB6ADE}"/>
+              </a:ext>
+            </a:extLst>
+          </p:cNvPr>
+          <p:cNvSpPr>
+            <a:spLocks noGrp="1"/>
+          </p:cNvSpPr>
+          <p:nvPr>
+            <p:ph idx="1"/>
+          </p:nvPr>
+        </p:nvSpPr>
+        <p:spPr/>
+        <p:txBody>
+          <a:bodyPr/>
+          <a:lstStyle/>
+          <a:p>
+            <a:endParaRPr lang="en-GB" dirty="0"/>
+          </a:p>
+        </p:txBody>
+      </p:sp>
+    </p:spTree>
+    <p:extLst>
+      <p:ext uri="{BB962C8B-B14F-4D97-AF65-F5344CB8AC3E}">
+        <p14:creationId xmlns:p14="http://schemas.microsoft.com/office/powerpoint/2010/main" val="430714242"/>
       </p:ext>
     </p:extLst>
   </p:cSld>
@@ -4441,7 +4933,7 @@
             <a:pPr algn="ctr"/>
             <a:r>
               <a:rPr lang="en-GB" dirty="0"/>
-              <a:t>various other files</a:t>
+              <a:t>other files</a:t>
             </a:r>
           </a:p>
         </p:txBody>
@@ -4577,7 +5069,7 @@
         <p:spPr/>
         <p:txBody>
           <a:bodyPr>
-            <a:normAutofit/>
+            <a:normAutofit fontScale="92500"/>
           </a:bodyPr>
           <a:lstStyle/>
           <a:p>
@@ -4631,6 +5123,12 @@
             <a:r>
               <a:rPr lang="en-GB" dirty="0"/>
               <a:t> as well as GitHub</a:t>
+            </a:r>
+          </a:p>
+          <a:p>
+            <a:r>
+              <a:rPr lang="en-GB" dirty="0"/>
+              <a:t>Throughout this presentation: code files in blue, variables in red…</a:t>
             </a:r>
           </a:p>
         </p:txBody>
@@ -4967,11 +5465,11 @@
                   <a:srgbClr val="002060"/>
                 </a:solidFill>
               </a:rPr>
-              <a:t> manuscript_spectra.png </a:t>
-            </a:r>
-            <a:r>
-              <a:rPr lang="en-GB" dirty="0"/>
-              <a:t>was used to produce specific spectral plots for the manuscript </a:t>
+              <a:t> [manuscript_spectra.py </a:t>
+            </a:r>
+            <a:r>
+              <a:rPr lang="en-GB" dirty="0"/>
+              <a:t>was used specifically to produce specific spectral plots for the manuscript] </a:t>
             </a:r>
           </a:p>
           <a:p>
@@ -5944,7 +6442,7 @@
           <a:p>
             <a:r>
               <a:rPr lang="en-GB" dirty="0"/>
-              <a:t>All relevant physical parameters are controlled in the section “SET PHYSICAL PARAMETERS” at the top of the file (roughly lines 25-50)</a:t>
+              <a:t>All relevant physical parameters are controlled in the section “set physical parameters” at the top of the file (roughly lines 25-50)</a:t>
             </a:r>
           </a:p>
           <a:p>
@@ -6098,7 +6596,7 @@
                   <a:srgbClr val="002060"/>
                 </a:solidFill>
               </a:rPr>
-              <a:t>Analysing scan data: “scan_eval.py”</a:t>
+              <a:t>Analysing scan data: “scan_eval.py” (1/2)</a:t>
             </a:r>
           </a:p>
         </p:txBody>
@@ -6122,7 +6620,7 @@
         <p:spPr/>
         <p:txBody>
           <a:bodyPr>
-            <a:normAutofit lnSpcReduction="10000"/>
+            <a:normAutofit fontScale="85000" lnSpcReduction="20000"/>
           </a:bodyPr>
           <a:lstStyle/>
           <a:p>
@@ -6138,33 +6636,114 @@
             </a:r>
             <a:r>
               <a:rPr lang="en-GB" dirty="0">
+                <a:solidFill>
+                  <a:srgbClr val="002060"/>
+                </a:solidFill>
+              </a:rPr>
+              <a:t>scan_eval.py, </a:t>
+            </a:r>
+            <a:r>
+              <a:rPr lang="en-GB" dirty="0"/>
+              <a:t>which produces various plots </a:t>
+            </a:r>
+          </a:p>
+          <a:p>
+            <a:r>
+              <a:rPr lang="en-GB" b="1" dirty="0"/>
+              <a:t>Most importantly, </a:t>
+            </a:r>
+            <a:r>
+              <a:rPr lang="en-GB" b="1" dirty="0">
                 <a:solidFill>
                   <a:srgbClr val="002060"/>
                 </a:solidFill>
               </a:rPr>
               <a:t>scan_eval.py </a:t>
             </a:r>
+            <a:r>
+              <a:rPr lang="en-GB" b="1" dirty="0"/>
+              <a:t>can be used to visualise the output of a single pressure scan and compare the UV energies to measured data </a:t>
+            </a:r>
+          </a:p>
+          <a:p>
+            <a:pPr lvl="1">
+              <a:buFont typeface="Wingdings" panose="05000000000000000000" pitchFamily="2" charset="2"/>
+              <a:buChar char="Ø"/>
+            </a:pPr>
+            <a:r>
+              <a:rPr lang="en-GB" i="1" dirty="0"/>
+              <a:t> </a:t>
+            </a:r>
+            <a:r>
+              <a:rPr lang="en-GB" b="1" dirty="0"/>
+              <a:t>set </a:t>
+            </a:r>
+            <a:r>
+              <a:rPr lang="en-GB" b="1" dirty="0">
+                <a:solidFill>
+                  <a:srgbClr val="002060"/>
+                </a:solidFill>
+              </a:rPr>
+              <a:t>single==True </a:t>
+            </a:r>
+            <a:r>
+              <a:rPr lang="en-GB" b="1" dirty="0"/>
+              <a:t>in the section “operation settings” at the top of the file </a:t>
+            </a:r>
+          </a:p>
+          <a:p>
+            <a:pPr lvl="1">
+              <a:buFont typeface="Wingdings" panose="05000000000000000000" pitchFamily="2" charset="2"/>
+              <a:buChar char="Ø"/>
+            </a:pPr>
+            <a:r>
+              <a:rPr lang="en-GB" b="1" dirty="0"/>
+              <a:t> configure relevant settings in the section “single-scan settings” below (plots can be configured in the section “plot settings”)</a:t>
+            </a:r>
+          </a:p>
+          <a:p>
+            <a:pPr lvl="1">
+              <a:buFont typeface="Wingdings" panose="05000000000000000000" pitchFamily="2" charset="2"/>
+              <a:buChar char="Ø"/>
+            </a:pPr>
+            <a:r>
+              <a:rPr lang="en-GB" b="1" dirty="0"/>
+              <a:t> the output will be saved in the same directory as the pressure scan data</a:t>
+            </a:r>
+          </a:p>
+          <a:p>
+            <a:r>
+              <a:rPr lang="en-GB" dirty="0"/>
+              <a:t>There are a variety of additional features, which make the file more complicated, but </a:t>
+            </a:r>
+            <a:r>
+              <a:rPr lang="en-GB" i="1" dirty="0"/>
+              <a:t>probably will not be used very often in the future</a:t>
+            </a:r>
+            <a:r>
+              <a:rPr lang="en-GB" dirty="0"/>
+              <a:t>; these features will be briefly presented in the following</a:t>
+            </a:r>
+          </a:p>
+          <a:p>
+            <a:pPr lvl="1">
+              <a:buFont typeface="Wingdings" panose="05000000000000000000" pitchFamily="2" charset="2"/>
+              <a:buChar char="Ø"/>
+            </a:pPr>
+            <a:r>
+              <a:rPr lang="en-GB" dirty="0"/>
+              <a:t> </a:t>
+            </a:r>
+            <a:r>
+              <a:rPr lang="en-GB" i="1" dirty="0"/>
+              <a:t>WARNING: the comments in the code and the following explanation might not be that helpful! (the effort required to fully re-write these additional features was not warranted by their limited utility)</a:t>
+            </a:r>
           </a:p>
           <a:p>
             <a:endParaRPr lang="en-GB" dirty="0"/>
           </a:p>
           <a:p>
             <a:endParaRPr lang="en-GB" dirty="0"/>
-          </a:p>
-          <a:p>
-            <a:endParaRPr lang="en-GB" dirty="0"/>
-          </a:p>
-          <a:p>
-            <a:endParaRPr lang="en-GB" dirty="0"/>
-          </a:p>
-          <a:p>
-            <a:endParaRPr lang="en-GB" dirty="0"/>
-          </a:p>
-          <a:p>
-            <a:r>
-              <a:rPr lang="en-GB" dirty="0"/>
-              <a:t>!! Will probably have to clean up “scan_eval.py” first!</a:t>
-            </a:r>
           </a:p>
         </p:txBody>
       </p:sp>

--- a/presentations/DESY - Code Handover.pptx
+++ b/presentations/DESY - Code Handover.pptx
@@ -16,6 +16,7 @@
     <p:sldId id="264" r:id="rId10"/>
     <p:sldId id="267" r:id="rId11"/>
     <p:sldId id="268" r:id="rId12"/>
+    <p:sldId id="269" r:id="rId13"/>
   </p:sldIdLst>
   <p:sldSz cx="12192000" cy="6858000"/>
   <p:notesSz cx="6858000" cy="9144000"/>
@@ -3434,7 +3435,7 @@
             <a:pPr algn="r"/>
             <a:r>
               <a:rPr lang="en-GB" sz="1800" dirty="0"/>
-              <a:t>21/08/2023 </a:t>
+              <a:t>28/08/2023 </a:t>
             </a:r>
           </a:p>
           <a:p>
@@ -3688,7 +3689,7 @@
             <a:r>
               <a:rPr lang="en-GB" sz="2600" dirty="0">
                 <a:solidFill>
-                  <a:srgbClr val="002060"/>
+                  <a:srgbClr val="FF0000"/>
                 </a:solidFill>
               </a:rPr>
               <a:t>double==True</a:t>
@@ -3700,7 +3701,7 @@
             <a:r>
               <a:rPr lang="en-GB" sz="2600" dirty="0" err="1">
                 <a:solidFill>
-                  <a:srgbClr val="C00000"/>
+                  <a:srgbClr val="FF0000"/>
                 </a:solidFill>
               </a:rPr>
               <a:t>second_var</a:t>
@@ -3708,7 +3709,7 @@
             <a:r>
               <a:rPr lang="en-GB" sz="2600" dirty="0">
                 <a:solidFill>
-                  <a:srgbClr val="C00000"/>
+                  <a:srgbClr val="FF0000"/>
                 </a:solidFill>
               </a:rPr>
               <a:t> </a:t>
@@ -3810,12 +3811,24 @@
               <a:t>(and </a:t>
             </a:r>
             <a:r>
-              <a:rPr lang="en-GB" sz="2600" dirty="0" err="1"/>
+              <a:rPr lang="en-GB" sz="2600" dirty="0" err="1">
+                <a:solidFill>
+                  <a:srgbClr val="FF0000"/>
+                </a:solidFill>
+              </a:rPr>
               <a:t>multi_power</a:t>
             </a:r>
             <a:r>
+              <a:rPr lang="en-GB" sz="2600" dirty="0">
+                <a:solidFill>
+                  <a:srgbClr val="FF0000"/>
+                </a:solidFill>
+              </a:rPr>
+              <a:t>==False</a:t>
+            </a:r>
+            <a:r>
               <a:rPr lang="en-GB" sz="2600" dirty="0"/>
-              <a:t>==False) pressure scans from different gases (with all other parameter equal) are compared</a:t>
+              <a:t>) pressure scans from different gases (with all other parameter equal) are compared</a:t>
             </a:r>
           </a:p>
           <a:p>
@@ -3828,20 +3841,44 @@
               <a:t>When setting </a:t>
             </a:r>
             <a:r>
-              <a:rPr lang="en-GB" sz="2600" dirty="0" err="1"/>
+              <a:rPr lang="en-GB" sz="2600" dirty="0" err="1">
+                <a:solidFill>
+                  <a:srgbClr val="FF0000"/>
+                </a:solidFill>
+              </a:rPr>
               <a:t>multi_gas</a:t>
             </a:r>
             <a:r>
+              <a:rPr lang="en-GB" sz="2600" dirty="0">
+                <a:solidFill>
+                  <a:srgbClr val="FF0000"/>
+                </a:solidFill>
+              </a:rPr>
+              <a:t>==True </a:t>
+            </a:r>
+            <a:r>
               <a:rPr lang="en-GB" sz="2600" dirty="0"/>
-              <a:t>==True and </a:t>
-            </a:r>
-            <a:r>
-              <a:rPr lang="en-GB" sz="2600" dirty="0" err="1"/>
+              <a:t>and </a:t>
+            </a:r>
+            <a:r>
+              <a:rPr lang="en-GB" sz="2600" dirty="0" err="1">
+                <a:solidFill>
+                  <a:srgbClr val="FF0000"/>
+                </a:solidFill>
+              </a:rPr>
               <a:t>multi_power</a:t>
             </a:r>
             <a:r>
+              <a:rPr lang="en-GB" sz="2600" dirty="0">
+                <a:solidFill>
+                  <a:srgbClr val="FF0000"/>
+                </a:solidFill>
+              </a:rPr>
+              <a:t>==True </a:t>
+            </a:r>
+            <a:r>
               <a:rPr lang="en-GB" sz="2600" dirty="0"/>
-              <a:t>==True pressure scans from different gases at different powers are compared </a:t>
+              <a:t>pressure scans from different gases at different powers are compared </a:t>
             </a:r>
           </a:p>
           <a:p>
@@ -3932,7 +3969,66 @@
           <a:bodyPr/>
           <a:lstStyle/>
           <a:p>
-            <a:endParaRPr lang="en-GB" dirty="0"/>
+            <a:r>
+              <a:rPr lang="en-GB" dirty="0"/>
+              <a:t>The file </a:t>
+            </a:r>
+            <a:r>
+              <a:rPr lang="en-GB" dirty="0">
+                <a:solidFill>
+                  <a:srgbClr val="002060"/>
+                </a:solidFill>
+              </a:rPr>
+              <a:t>manuscript_spectra.py </a:t>
+            </a:r>
+            <a:r>
+              <a:rPr lang="en-GB" dirty="0"/>
+              <a:t>was written specifically to produce spectral plots for the manuscript </a:t>
+            </a:r>
+          </a:p>
+          <a:p>
+            <a:r>
+              <a:rPr lang="en-GB" dirty="0"/>
+              <a:t>It is short, simple and not very general but could be adapted for other cases</a:t>
+            </a:r>
+          </a:p>
+          <a:p>
+            <a:pPr lvl="1">
+              <a:buFont typeface="Wingdings" panose="05000000000000000000" pitchFamily="2" charset="2"/>
+              <a:buChar char="Ø"/>
+            </a:pPr>
+            <a:r>
+              <a:rPr lang="en-GB" dirty="0"/>
+              <a:t> file names and paths have to be manually adjusted each time </a:t>
+            </a:r>
+          </a:p>
+          <a:p>
+            <a:pPr lvl="1">
+              <a:buFont typeface="Wingdings" panose="05000000000000000000" pitchFamily="2" charset="2"/>
+              <a:buChar char="Ø"/>
+            </a:pPr>
+            <a:r>
+              <a:rPr lang="en-GB" dirty="0"/>
+              <a:t> code blocks that are not in use have to be manually commented out </a:t>
+            </a:r>
+          </a:p>
+          <a:p>
+            <a:r>
+              <a:rPr lang="en-GB" dirty="0"/>
+              <a:t>See comments in </a:t>
+            </a:r>
+            <a:r>
+              <a:rPr lang="en-GB" dirty="0">
+                <a:solidFill>
+                  <a:srgbClr val="002060"/>
+                </a:solidFill>
+              </a:rPr>
+              <a:t>manuscript_spectra.py</a:t>
+            </a:r>
+            <a:r>
+              <a:rPr lang="en-GB" dirty="0"/>
+              <a:t> for details</a:t>
+            </a:r>
           </a:p>
         </p:txBody>
       </p:sp>
@@ -3940,6 +4036,144 @@
     <p:extLst>
       <p:ext uri="{BB962C8B-B14F-4D97-AF65-F5344CB8AC3E}">
         <p14:creationId xmlns:p14="http://schemas.microsoft.com/office/powerpoint/2010/main" val="430714242"/>
+      </p:ext>
+    </p:extLst>
+  </p:cSld>
+  <p:clrMapOvr>
+    <a:masterClrMapping/>
+  </p:clrMapOvr>
+</p:sld>
+</file>
+
+<file path=ppt/slides/slide12.xml><?xml version="1.0" encoding="utf-8"?>
+<p:sld xmlns:a="http://schemas.openxmlformats.org/drawingml/2006/main" xmlns:r="http://schemas.openxmlformats.org/officeDocument/2006/relationships" xmlns:p="http://schemas.openxmlformats.org/presentationml/2006/main">
+  <p:cSld>
+    <p:spTree>
+      <p:nvGrpSpPr>
+        <p:cNvPr id="1" name=""/>
+        <p:cNvGrpSpPr/>
+        <p:nvPr/>
+      </p:nvGrpSpPr>
+      <p:grpSpPr>
+        <a:xfrm>
+          <a:off x="0" y="0"/>
+          <a:ext cx="0" cy="0"/>
+          <a:chOff x="0" y="0"/>
+          <a:chExt cx="0" cy="0"/>
+        </a:xfrm>
+      </p:grpSpPr>
+      <p:sp>
+        <p:nvSpPr>
+          <p:cNvPr id="2" name="Title 1">
+            <a:extLst>
+              <a:ext uri="{FF2B5EF4-FFF2-40B4-BE49-F238E27FC236}">
+                <a16:creationId xmlns:a16="http://schemas.microsoft.com/office/drawing/2014/main" id="{DCC3BA7E-CE7C-5F18-04E7-EE7955FC32A5}"/>
+              </a:ext>
+            </a:extLst>
+          </p:cNvPr>
+          <p:cNvSpPr>
+            <a:spLocks noGrp="1"/>
+          </p:cNvSpPr>
+          <p:nvPr>
+            <p:ph type="title"/>
+          </p:nvPr>
+        </p:nvSpPr>
+        <p:spPr/>
+        <p:txBody>
+          <a:bodyPr/>
+          <a:lstStyle/>
+          <a:p>
+            <a:r>
+              <a:rPr lang="en-GB" b="1" dirty="0">
+                <a:solidFill>
+                  <a:srgbClr val="002060"/>
+                </a:solidFill>
+              </a:rPr>
+              <a:t>Moving forward…</a:t>
+            </a:r>
+          </a:p>
+        </p:txBody>
+      </p:sp>
+      <p:sp>
+        <p:nvSpPr>
+          <p:cNvPr id="3" name="Content Placeholder 2">
+            <a:extLst>
+              <a:ext uri="{FF2B5EF4-FFF2-40B4-BE49-F238E27FC236}">
+                <a16:creationId xmlns:a16="http://schemas.microsoft.com/office/drawing/2014/main" id="{ED4F49E5-BE53-564C-99FE-2B8C1B71ED0E}"/>
+              </a:ext>
+            </a:extLst>
+          </p:cNvPr>
+          <p:cNvSpPr>
+            <a:spLocks noGrp="1"/>
+          </p:cNvSpPr>
+          <p:nvPr>
+            <p:ph idx="1"/>
+          </p:nvPr>
+        </p:nvSpPr>
+        <p:spPr/>
+        <p:txBody>
+          <a:bodyPr/>
+          <a:lstStyle/>
+          <a:p>
+            <a:r>
+              <a:rPr lang="en-GB" dirty="0"/>
+              <a:t>Feel free to modify and add to the existing code (and GitHub) </a:t>
+            </a:r>
+          </a:p>
+          <a:p>
+            <a:r>
+              <a:rPr lang="en-GB" dirty="0"/>
+              <a:t>If questions arise after the end of the project, contact me at </a:t>
+            </a:r>
+          </a:p>
+          <a:p>
+            <a:pPr marL="457200" lvl="1" indent="0">
+              <a:buNone/>
+            </a:pPr>
+            <a:r>
+              <a:rPr lang="en-GB" dirty="0">
+                <a:hlinkClick r:id="rId2"/>
+              </a:rPr>
+              <a:t>david@amorim.de</a:t>
+            </a:r>
+            <a:r>
+              <a:rPr lang="en-GB" dirty="0"/>
+              <a:t> or</a:t>
+            </a:r>
+          </a:p>
+          <a:p>
+            <a:pPr marL="457200" lvl="1" indent="0">
+              <a:buNone/>
+            </a:pPr>
+            <a:r>
+              <a:rPr lang="en-GB" dirty="0">
+                <a:hlinkClick r:id="rId3"/>
+              </a:rPr>
+              <a:t>2538354a@student.gla.ac.uk</a:t>
+            </a:r>
+            <a:r>
+              <a:rPr lang="en-GB" dirty="0"/>
+              <a:t> </a:t>
+            </a:r>
+          </a:p>
+          <a:p>
+            <a:r>
+              <a:rPr lang="en-GB" dirty="0"/>
+              <a:t>I am happy to answer any potential questions via email or Zoom </a:t>
+            </a:r>
+          </a:p>
+          <a:p>
+            <a:pPr marL="457200" lvl="1" indent="0">
+              <a:buNone/>
+            </a:pPr>
+            <a:endParaRPr lang="en-GB" dirty="0"/>
+          </a:p>
+        </p:txBody>
+      </p:sp>
+    </p:spTree>
+    <p:extLst>
+      <p:ext uri="{BB962C8B-B14F-4D97-AF65-F5344CB8AC3E}">
+        <p14:creationId xmlns:p14="http://schemas.microsoft.com/office/powerpoint/2010/main" val="860335888"/>
       </p:ext>
     </p:extLst>
   </p:cSld>
@@ -5069,7 +5303,7 @@
         <p:spPr/>
         <p:txBody>
           <a:bodyPr>
-            <a:normAutofit fontScale="92500"/>
+            <a:normAutofit fontScale="92500" lnSpcReduction="10000"/>
           </a:bodyPr>
           <a:lstStyle/>
           <a:p>
@@ -5128,7 +5362,35 @@
           <a:p>
             <a:r>
               <a:rPr lang="en-GB" dirty="0"/>
-              <a:t>Throughout this presentation: code files in blue, variables in red…</a:t>
+              <a:t>Throughout this presentation: code files in </a:t>
+            </a:r>
+            <a:r>
+              <a:rPr lang="en-GB" dirty="0">
+                <a:solidFill>
+                  <a:srgbClr val="002060"/>
+                </a:solidFill>
+              </a:rPr>
+              <a:t>blue</a:t>
+            </a:r>
+            <a:r>
+              <a:rPr lang="en-GB" dirty="0"/>
+              <a:t>, variables in </a:t>
+            </a:r>
+            <a:r>
+              <a:rPr lang="en-GB" dirty="0">
+                <a:solidFill>
+                  <a:srgbClr val="FF0000"/>
+                </a:solidFill>
+              </a:rPr>
+              <a:t>red</a:t>
+            </a:r>
+            <a:r>
+              <a:rPr lang="en-GB" dirty="0"/>
+              <a:t>, directories in </a:t>
+            </a:r>
+            <a:r>
+              <a:rPr lang="en-GB" i="1" dirty="0"/>
+              <a:t>italics</a:t>
             </a:r>
           </a:p>
         </p:txBody>
@@ -5190,7 +5452,7 @@
                   <a:srgbClr val="002060"/>
                 </a:solidFill>
               </a:rPr>
-              <a:t>The directory structure</a:t>
+              <a:t>Core directory structure</a:t>
             </a:r>
           </a:p>
         </p:txBody>
@@ -5220,7 +5482,7 @@
           <a:p>
             <a:r>
               <a:rPr lang="en-GB" dirty="0"/>
-              <a:t>The default directory structure (directories in italics, code files in blue) is:</a:t>
+              <a:t>The default core directory structure is:</a:t>
             </a:r>
           </a:p>
           <a:p>
@@ -5483,7 +5745,7 @@
             </a:r>
             <a:r>
               <a:rPr lang="en-GB" dirty="0"/>
-              <a:t> directory </a:t>
+              <a:t> directory;</a:t>
             </a:r>
           </a:p>
         </p:txBody>
@@ -5858,7 +6120,7 @@
           <a:p>
             <a:r>
               <a:rPr lang="en-GB" dirty="0"/>
-              <a:t>To generate simulations, generally only a few variables in at the top of the file need to be changed </a:t>
+              <a:t>To generate simulations, generally only a few variables at the top of the file need to be changed </a:t>
             </a:r>
           </a:p>
           <a:p>
@@ -6681,7 +6943,7 @@
             <a:r>
               <a:rPr lang="en-GB" b="1" dirty="0">
                 <a:solidFill>
-                  <a:srgbClr val="002060"/>
+                  <a:srgbClr val="FF0000"/>
                 </a:solidFill>
               </a:rPr>
               <a:t>single==True </a:t>
@@ -6714,15 +6976,7 @@
           <a:p>
             <a:r>
               <a:rPr lang="en-GB" dirty="0"/>
-              <a:t>There are a variety of additional features, which make the file more complicated, but </a:t>
-            </a:r>
-            <a:r>
-              <a:rPr lang="en-GB" i="1" dirty="0"/>
-              <a:t>probably will not be used very often in the future</a:t>
-            </a:r>
-            <a:r>
-              <a:rPr lang="en-GB" dirty="0"/>
-              <a:t>; these features will be briefly presented in the following</a:t>
+              <a:t>There are a variety of additional features, which make the file more complicated, but probably will not be used very often in the future; these features will be briefly presented in the following</a:t>
             </a:r>
           </a:p>
           <a:p>
